--- a/Eleições_2018.pptx
+++ b/Eleições_2018.pptx
@@ -5,7 +5,7 @@
     <p:sldMasterId id="2147483658" r:id="rId1"/>
   </p:sldMasterIdLst>
   <p:notesMasterIdLst>
-    <p:notesMasterId r:id="rId10"/>
+    <p:notesMasterId r:id="rId15"/>
   </p:notesMasterIdLst>
   <p:sldIdLst>
     <p:sldId id="256" r:id="rId2"/>
@@ -15,22 +15,27 @@
     <p:sldId id="285" r:id="rId6"/>
     <p:sldId id="286" r:id="rId7"/>
     <p:sldId id="287" r:id="rId8"/>
-    <p:sldId id="279" r:id="rId9"/>
+    <p:sldId id="288" r:id="rId9"/>
+    <p:sldId id="290" r:id="rId10"/>
+    <p:sldId id="291" r:id="rId11"/>
+    <p:sldId id="292" r:id="rId12"/>
+    <p:sldId id="293" r:id="rId13"/>
+    <p:sldId id="279" r:id="rId14"/>
   </p:sldIdLst>
   <p:sldSz cx="9144000" cy="5143500" type="screen16x9"/>
   <p:notesSz cx="6858000" cy="9144000"/>
   <p:embeddedFontLst>
     <p:embeddedFont>
       <p:font typeface="Oswald"/>
-      <p:regular r:id="rId11"/>
-      <p:bold r:id="rId12"/>
+      <p:regular r:id="rId16"/>
+      <p:bold r:id="rId17"/>
     </p:embeddedFont>
     <p:embeddedFont>
       <p:font typeface="Roboto Condensed" panose="020B0604020202020204" charset="0"/>
-      <p:regular r:id="rId13"/>
-      <p:bold r:id="rId14"/>
-      <p:italic r:id="rId15"/>
-      <p:boldItalic r:id="rId16"/>
+      <p:regular r:id="rId18"/>
+      <p:bold r:id="rId19"/>
+      <p:italic r:id="rId20"/>
+      <p:boldItalic r:id="rId21"/>
     </p:embeddedFont>
   </p:embeddedFontLst>
   <p:defaultTextStyle>
@@ -262,11 +267,259 @@
       </a:defRPr>
     </a:lvl9pPr>
   </p:defaultTextStyle>
+  <p:extLst>
+    <p:ext uri="{EFAFB233-063F-42B5-8137-9DF3F51BA10A}">
+      <p15:sldGuideLst xmlns:p15="http://schemas.microsoft.com/office/powerpoint/2012/main"/>
+    </p:ext>
+  </p:extLst>
 </p:presentation>
 </file>
 
 <file path=ppt/changesInfos/changesInfo1.xml><?xml version="1.0" encoding="utf-8"?>
 <pc:chgInfo xmlns:a="http://schemas.openxmlformats.org/drawingml/2006/main" xmlns:r="http://schemas.openxmlformats.org/officeDocument/2006/relationships" xmlns:ac="http://schemas.microsoft.com/office/drawing/2013/main/command" xmlns:pc="http://schemas.microsoft.com/office/powerpoint/2013/main/command">
+  <pc:docChgLst>
+    <pc:chgData name="Marcelo Dias" userId="30798837ae5dea32" providerId="LiveId" clId="{27C5E71B-ED94-4722-9D69-16E4783A9CF4}"/>
+    <pc:docChg chg="undo custSel addSld delSld modSld sldOrd">
+      <pc:chgData name="Marcelo Dias" userId="30798837ae5dea32" providerId="LiveId" clId="{27C5E71B-ED94-4722-9D69-16E4783A9CF4}" dt="2018-08-20T20:41:18.396" v="157" actId="1076"/>
+      <pc:docMkLst>
+        <pc:docMk/>
+      </pc:docMkLst>
+      <pc:sldChg chg="modSp add ord">
+        <pc:chgData name="Marcelo Dias" userId="30798837ae5dea32" providerId="LiveId" clId="{27C5E71B-ED94-4722-9D69-16E4783A9CF4}" dt="2018-08-20T20:31:37.767" v="119" actId="20577"/>
+        <pc:sldMkLst>
+          <pc:docMk/>
+          <pc:sldMk cId="3304298848" sldId="288"/>
+        </pc:sldMkLst>
+        <pc:spChg chg="mod">
+          <ac:chgData name="Marcelo Dias" userId="30798837ae5dea32" providerId="LiveId" clId="{27C5E71B-ED94-4722-9D69-16E4783A9CF4}" dt="2018-08-20T20:31:37.767" v="119" actId="20577"/>
+          <ac:spMkLst>
+            <pc:docMk/>
+            <pc:sldMk cId="3304298848" sldId="288"/>
+            <ac:spMk id="189" creationId="{00000000-0000-0000-0000-000000000000}"/>
+          </ac:spMkLst>
+        </pc:spChg>
+      </pc:sldChg>
+      <pc:sldChg chg="addSp delSp modSp add del">
+        <pc:chgData name="Marcelo Dias" userId="30798837ae5dea32" providerId="LiveId" clId="{27C5E71B-ED94-4722-9D69-16E4783A9CF4}" dt="2018-08-20T20:27:53.294" v="56" actId="2696"/>
+        <pc:sldMkLst>
+          <pc:docMk/>
+          <pc:sldMk cId="1781042598" sldId="289"/>
+        </pc:sldMkLst>
+        <pc:spChg chg="add del mod">
+          <ac:chgData name="Marcelo Dias" userId="30798837ae5dea32" providerId="LiveId" clId="{27C5E71B-ED94-4722-9D69-16E4783A9CF4}" dt="2018-08-20T20:24:00.605" v="16" actId="478"/>
+          <ac:spMkLst>
+            <pc:docMk/>
+            <pc:sldMk cId="1781042598" sldId="289"/>
+            <ac:spMk id="3" creationId="{5349FBE8-19EB-4358-885F-82DC0D0C587F}"/>
+          </ac:spMkLst>
+        </pc:spChg>
+        <pc:spChg chg="add del mod">
+          <ac:chgData name="Marcelo Dias" userId="30798837ae5dea32" providerId="LiveId" clId="{27C5E71B-ED94-4722-9D69-16E4783A9CF4}" dt="2018-08-20T20:24:02.211" v="17" actId="478"/>
+          <ac:spMkLst>
+            <pc:docMk/>
+            <pc:sldMk cId="1781042598" sldId="289"/>
+            <ac:spMk id="4" creationId="{9D7B8145-8BDB-47C0-AAA2-CA3C2D57F5A0}"/>
+          </ac:spMkLst>
+        </pc:spChg>
+        <pc:spChg chg="add del">
+          <ac:chgData name="Marcelo Dias" userId="30798837ae5dea32" providerId="LiveId" clId="{27C5E71B-ED94-4722-9D69-16E4783A9CF4}" dt="2018-08-20T20:24:36.219" v="19" actId="478"/>
+          <ac:spMkLst>
+            <pc:docMk/>
+            <pc:sldMk cId="1781042598" sldId="289"/>
+            <ac:spMk id="5" creationId="{095E8B7A-3F4C-4650-8653-20921594DB43}"/>
+          </ac:spMkLst>
+        </pc:spChg>
+        <pc:spChg chg="add del">
+          <ac:chgData name="Marcelo Dias" userId="30798837ae5dea32" providerId="LiveId" clId="{27C5E71B-ED94-4722-9D69-16E4783A9CF4}" dt="2018-08-20T20:25:52.041" v="24" actId="478"/>
+          <ac:spMkLst>
+            <pc:docMk/>
+            <pc:sldMk cId="1781042598" sldId="289"/>
+            <ac:spMk id="7" creationId="{25EC7EF5-2B72-4F09-9622-319E25BF264E}"/>
+          </ac:spMkLst>
+        </pc:spChg>
+        <pc:picChg chg="add mod">
+          <ac:chgData name="Marcelo Dias" userId="30798837ae5dea32" providerId="LiveId" clId="{27C5E71B-ED94-4722-9D69-16E4783A9CF4}" dt="2018-08-20T20:24:55.129" v="22" actId="14100"/>
+          <ac:picMkLst>
+            <pc:docMk/>
+            <pc:sldMk cId="1781042598" sldId="289"/>
+            <ac:picMk id="6" creationId="{53DC1337-85DE-4D65-96F0-E72CA39CA689}"/>
+          </ac:picMkLst>
+        </pc:picChg>
+      </pc:sldChg>
+      <pc:sldChg chg="addSp delSp modSp add">
+        <pc:chgData name="Marcelo Dias" userId="30798837ae5dea32" providerId="LiveId" clId="{27C5E71B-ED94-4722-9D69-16E4783A9CF4}" dt="2018-08-20T20:38:40.137" v="143" actId="1076"/>
+        <pc:sldMkLst>
+          <pc:docMk/>
+          <pc:sldMk cId="1717056396" sldId="290"/>
+        </pc:sldMkLst>
+        <pc:spChg chg="add mod">
+          <ac:chgData name="Marcelo Dias" userId="30798837ae5dea32" providerId="LiveId" clId="{27C5E71B-ED94-4722-9D69-16E4783A9CF4}" dt="2018-08-20T20:27:50.270" v="55" actId="20577"/>
+          <ac:spMkLst>
+            <pc:docMk/>
+            <pc:sldMk cId="1717056396" sldId="290"/>
+            <ac:spMk id="7" creationId="{866828C0-FEB4-4AA2-AAC1-50E596FB9C01}"/>
+          </ac:spMkLst>
+        </pc:spChg>
+        <pc:picChg chg="add del mod">
+          <ac:chgData name="Marcelo Dias" userId="30798837ae5dea32" providerId="LiveId" clId="{27C5E71B-ED94-4722-9D69-16E4783A9CF4}" dt="2018-08-20T20:27:12.272" v="32" actId="478"/>
+          <ac:picMkLst>
+            <pc:docMk/>
+            <pc:sldMk cId="1717056396" sldId="290"/>
+            <ac:picMk id="3" creationId="{33013F1C-F464-4F11-897A-A5785D443952}"/>
+          </ac:picMkLst>
+        </pc:picChg>
+        <pc:picChg chg="add del mod">
+          <ac:chgData name="Marcelo Dias" userId="30798837ae5dea32" providerId="LiveId" clId="{27C5E71B-ED94-4722-9D69-16E4783A9CF4}" dt="2018-08-20T20:38:30.220" v="139" actId="478"/>
+          <ac:picMkLst>
+            <pc:docMk/>
+            <pc:sldMk cId="1717056396" sldId="290"/>
+            <ac:picMk id="4" creationId="{F7858054-51A1-4590-BF82-2B919DD48F93}"/>
+          </ac:picMkLst>
+        </pc:picChg>
+        <pc:picChg chg="add mod">
+          <ac:chgData name="Marcelo Dias" userId="30798837ae5dea32" providerId="LiveId" clId="{27C5E71B-ED94-4722-9D69-16E4783A9CF4}" dt="2018-08-20T20:38:40.137" v="143" actId="1076"/>
+          <ac:picMkLst>
+            <pc:docMk/>
+            <pc:sldMk cId="1717056396" sldId="290"/>
+            <ac:picMk id="5" creationId="{0B0C273E-CFD0-4A1B-A22C-C453443142C7}"/>
+          </ac:picMkLst>
+        </pc:picChg>
+        <pc:picChg chg="del">
+          <ac:chgData name="Marcelo Dias" userId="30798837ae5dea32" providerId="LiveId" clId="{27C5E71B-ED94-4722-9D69-16E4783A9CF4}" dt="2018-08-20T20:25:56.733" v="26" actId="478"/>
+          <ac:picMkLst>
+            <pc:docMk/>
+            <pc:sldMk cId="1717056396" sldId="290"/>
+            <ac:picMk id="6" creationId="{53DC1337-85DE-4D65-96F0-E72CA39CA689}"/>
+          </ac:picMkLst>
+        </pc:picChg>
+      </pc:sldChg>
+      <pc:sldChg chg="addSp delSp modSp add">
+        <pc:chgData name="Marcelo Dias" userId="30798837ae5dea32" providerId="LiveId" clId="{27C5E71B-ED94-4722-9D69-16E4783A9CF4}" dt="2018-08-20T20:39:28.801" v="146" actId="1076"/>
+        <pc:sldMkLst>
+          <pc:docMk/>
+          <pc:sldMk cId="1517064452" sldId="291"/>
+        </pc:sldMkLst>
+        <pc:spChg chg="mod">
+          <ac:chgData name="Marcelo Dias" userId="30798837ae5dea32" providerId="LiveId" clId="{27C5E71B-ED94-4722-9D69-16E4783A9CF4}" dt="2018-08-20T20:28:06.848" v="75" actId="20577"/>
+          <ac:spMkLst>
+            <pc:docMk/>
+            <pc:sldMk cId="1517064452" sldId="291"/>
+            <ac:spMk id="7" creationId="{866828C0-FEB4-4AA2-AAC1-50E596FB9C01}"/>
+          </ac:spMkLst>
+        </pc:spChg>
+        <pc:picChg chg="add del mod">
+          <ac:chgData name="Marcelo Dias" userId="30798837ae5dea32" providerId="LiveId" clId="{27C5E71B-ED94-4722-9D69-16E4783A9CF4}" dt="2018-08-20T20:33:30.260" v="120" actId="478"/>
+          <ac:picMkLst>
+            <pc:docMk/>
+            <pc:sldMk cId="1517064452" sldId="291"/>
+            <ac:picMk id="3" creationId="{70F4253C-CF92-440C-B9F3-FBADCCA84D44}"/>
+          </ac:picMkLst>
+        </pc:picChg>
+        <pc:picChg chg="del">
+          <ac:chgData name="Marcelo Dias" userId="30798837ae5dea32" providerId="LiveId" clId="{27C5E71B-ED94-4722-9D69-16E4783A9CF4}" dt="2018-08-20T20:28:57.146" v="76" actId="478"/>
+          <ac:picMkLst>
+            <pc:docMk/>
+            <pc:sldMk cId="1517064452" sldId="291"/>
+            <ac:picMk id="4" creationId="{F7858054-51A1-4590-BF82-2B919DD48F93}"/>
+          </ac:picMkLst>
+        </pc:picChg>
+        <pc:picChg chg="add del mod">
+          <ac:chgData name="Marcelo Dias" userId="30798837ae5dea32" providerId="LiveId" clId="{27C5E71B-ED94-4722-9D69-16E4783A9CF4}" dt="2018-08-20T20:38:27.072" v="137" actId="478"/>
+          <ac:picMkLst>
+            <pc:docMk/>
+            <pc:sldMk cId="1517064452" sldId="291"/>
+            <ac:picMk id="5" creationId="{A7F5634B-B53B-4AA4-9752-A9AFA12B1199}"/>
+          </ac:picMkLst>
+        </pc:picChg>
+        <pc:picChg chg="add mod">
+          <ac:chgData name="Marcelo Dias" userId="30798837ae5dea32" providerId="LiveId" clId="{27C5E71B-ED94-4722-9D69-16E4783A9CF4}" dt="2018-08-20T20:39:28.801" v="146" actId="1076"/>
+          <ac:picMkLst>
+            <pc:docMk/>
+            <pc:sldMk cId="1517064452" sldId="291"/>
+            <ac:picMk id="6" creationId="{EB023D95-5CFA-420A-9A92-9282C4A15443}"/>
+          </ac:picMkLst>
+        </pc:picChg>
+      </pc:sldChg>
+      <pc:sldChg chg="addSp delSp modSp add">
+        <pc:chgData name="Marcelo Dias" userId="30798837ae5dea32" providerId="LiveId" clId="{27C5E71B-ED94-4722-9D69-16E4783A9CF4}" dt="2018-08-20T20:40:38.311" v="152" actId="1076"/>
+        <pc:sldMkLst>
+          <pc:docMk/>
+          <pc:sldMk cId="3125656313" sldId="292"/>
+        </pc:sldMkLst>
+        <pc:spChg chg="mod">
+          <ac:chgData name="Marcelo Dias" userId="30798837ae5dea32" providerId="LiveId" clId="{27C5E71B-ED94-4722-9D69-16E4783A9CF4}" dt="2018-08-20T20:31:23.053" v="96" actId="14100"/>
+          <ac:spMkLst>
+            <pc:docMk/>
+            <pc:sldMk cId="3125656313" sldId="292"/>
+            <ac:spMk id="7" creationId="{866828C0-FEB4-4AA2-AAC1-50E596FB9C01}"/>
+          </ac:spMkLst>
+        </pc:spChg>
+        <pc:picChg chg="del">
+          <ac:chgData name="Marcelo Dias" userId="30798837ae5dea32" providerId="LiveId" clId="{27C5E71B-ED94-4722-9D69-16E4783A9CF4}" dt="2018-08-20T20:31:11.581" v="85" actId="478"/>
+          <ac:picMkLst>
+            <pc:docMk/>
+            <pc:sldMk cId="3125656313" sldId="292"/>
+            <ac:picMk id="3" creationId="{70F4253C-CF92-440C-B9F3-FBADCCA84D44}"/>
+          </ac:picMkLst>
+        </pc:picChg>
+        <pc:picChg chg="add del mod">
+          <ac:chgData name="Marcelo Dias" userId="30798837ae5dea32" providerId="LiveId" clId="{27C5E71B-ED94-4722-9D69-16E4783A9CF4}" dt="2018-08-20T20:35:37.566" v="124" actId="478"/>
+          <ac:picMkLst>
+            <pc:docMk/>
+            <pc:sldMk cId="3125656313" sldId="292"/>
+            <ac:picMk id="4" creationId="{41A98E04-9AA9-4CDC-86AA-51B783DA494C}"/>
+          </ac:picMkLst>
+        </pc:picChg>
+        <pc:picChg chg="add del mod">
+          <ac:chgData name="Marcelo Dias" userId="30798837ae5dea32" providerId="LiveId" clId="{27C5E71B-ED94-4722-9D69-16E4783A9CF4}" dt="2018-08-20T20:38:28.778" v="138" actId="478"/>
+          <ac:picMkLst>
+            <pc:docMk/>
+            <pc:sldMk cId="3125656313" sldId="292"/>
+            <ac:picMk id="5" creationId="{2E3912A3-79AE-4119-8772-A53003B8E0A6}"/>
+          </ac:picMkLst>
+        </pc:picChg>
+        <pc:picChg chg="add mod">
+          <ac:chgData name="Marcelo Dias" userId="30798837ae5dea32" providerId="LiveId" clId="{27C5E71B-ED94-4722-9D69-16E4783A9CF4}" dt="2018-08-20T20:40:38.311" v="152" actId="1076"/>
+          <ac:picMkLst>
+            <pc:docMk/>
+            <pc:sldMk cId="3125656313" sldId="292"/>
+            <ac:picMk id="6" creationId="{3F7A1EF4-B176-461F-B927-2F55211047B5}"/>
+          </ac:picMkLst>
+        </pc:picChg>
+      </pc:sldChg>
+      <pc:sldChg chg="addSp delSp modSp add">
+        <pc:chgData name="Marcelo Dias" userId="30798837ae5dea32" providerId="LiveId" clId="{27C5E71B-ED94-4722-9D69-16E4783A9CF4}" dt="2018-08-20T20:41:18.396" v="157" actId="1076"/>
+        <pc:sldMkLst>
+          <pc:docMk/>
+          <pc:sldMk cId="2134050886" sldId="293"/>
+        </pc:sldMkLst>
+        <pc:spChg chg="mod">
+          <ac:chgData name="Marcelo Dias" userId="30798837ae5dea32" providerId="LiveId" clId="{27C5E71B-ED94-4722-9D69-16E4783A9CF4}" dt="2018-08-20T20:35:53.655" v="135" actId="20577"/>
+          <ac:spMkLst>
+            <pc:docMk/>
+            <pc:sldMk cId="2134050886" sldId="293"/>
+            <ac:spMk id="7" creationId="{866828C0-FEB4-4AA2-AAC1-50E596FB9C01}"/>
+          </ac:spMkLst>
+        </pc:spChg>
+        <pc:picChg chg="add mod">
+          <ac:chgData name="Marcelo Dias" userId="30798837ae5dea32" providerId="LiveId" clId="{27C5E71B-ED94-4722-9D69-16E4783A9CF4}" dt="2018-08-20T20:41:18.396" v="157" actId="1076"/>
+          <ac:picMkLst>
+            <pc:docMk/>
+            <pc:sldMk cId="2134050886" sldId="293"/>
+            <ac:picMk id="3" creationId="{23BD86BD-7DD8-4D34-BF17-019B2C0F13D6}"/>
+          </ac:picMkLst>
+        </pc:picChg>
+        <pc:picChg chg="del">
+          <ac:chgData name="Marcelo Dias" userId="30798837ae5dea32" providerId="LiveId" clId="{27C5E71B-ED94-4722-9D69-16E4783A9CF4}" dt="2018-08-20T20:35:55.460" v="136" actId="478"/>
+          <ac:picMkLst>
+            <pc:docMk/>
+            <pc:sldMk cId="2134050886" sldId="293"/>
+            <ac:picMk id="5" creationId="{2E3912A3-79AE-4119-8772-A53003B8E0A6}"/>
+          </ac:picMkLst>
+        </pc:picChg>
+      </pc:sldChg>
+    </pc:docChg>
+  </pc:docChgLst>
   <pc:docChgLst>
     <pc:chgData name="Marcelo Dias" userId="30798837ae5dea32" providerId="LiveId" clId="{2427D15B-DB45-431E-8BC9-60429CD16A11}"/>
     <pc:docChg chg="undo custSel addSld delSld modSld sldOrd">
@@ -304,7 +557,7 @@
           </ac:spMkLst>
         </pc:spChg>
         <pc:picChg chg="add del mod">
-          <ac:chgData name="Marcelo Dias" userId="30798837ae5dea32" providerId="LiveId" clId="{2427D15B-DB45-431E-8BC9-60429CD16A11}" dt="2018-08-20T15:56:49.561" v="46"/>
+          <ac:chgData name="Marcelo Dias" userId="30798837ae5dea32" providerId="LiveId" clId="{2427D15B-DB45-431E-8BC9-60429CD16A11}" dt="2018-08-20T15:56:49.561" v="46" actId="207"/>
           <ac:picMkLst>
             <pc:docMk/>
             <pc:sldMk cId="0" sldId="258"/>
@@ -671,7 +924,7 @@
         </pc:picChg>
       </pc:sldChg>
       <pc:sldChg chg="delSp add setBg">
-        <pc:chgData name="Marcelo Dias" userId="30798837ae5dea32" providerId="LiveId" clId="{2427D15B-DB45-431E-8BC9-60429CD16A11}" dt="2018-08-20T17:24:53.292" v="376"/>
+        <pc:chgData name="Marcelo Dias" userId="30798837ae5dea32" providerId="LiveId" clId="{2427D15B-DB45-431E-8BC9-60429CD16A11}" dt="2018-08-20T17:24:53.292" v="376" actId="20577"/>
         <pc:sldMkLst>
           <pc:docMk/>
           <pc:sldMk cId="3698126252" sldId="285"/>
@@ -701,7 +954,7 @@
         </pc:spChg>
       </pc:sldChg>
       <pc:sldChg chg="add ord">
-        <pc:chgData name="Marcelo Dias" userId="30798837ae5dea32" providerId="LiveId" clId="{2427D15B-DB45-431E-8BC9-60429CD16A11}" dt="2018-08-20T17:25:34.464" v="405"/>
+        <pc:chgData name="Marcelo Dias" userId="30798837ae5dea32" providerId="LiveId" clId="{2427D15B-DB45-431E-8BC9-60429CD16A11}" dt="2018-08-20T17:25:34.464" v="405" actId="20577"/>
         <pc:sldMkLst>
           <pc:docMk/>
           <pc:sldMk cId="25974628" sldId="287"/>
@@ -1724,6 +1977,115 @@
 </file>
 
 <file path=ppt/notesSlides/notesSlide6.xml><?xml version="1.0" encoding="utf-8"?>
+<p:notes xmlns:a="http://schemas.openxmlformats.org/drawingml/2006/main" xmlns:r="http://schemas.openxmlformats.org/officeDocument/2006/relationships" xmlns:p="http://schemas.openxmlformats.org/presentationml/2006/main" showMasterSp="0" showMasterPhAnim="0">
+  <p:cSld>
+    <p:spTree>
+      <p:nvGrpSpPr>
+        <p:cNvPr id="1" name="Shape 185"/>
+        <p:cNvGrpSpPr/>
+        <p:nvPr/>
+      </p:nvGrpSpPr>
+      <p:grpSpPr>
+        <a:xfrm>
+          <a:off x="0" y="0"/>
+          <a:ext cx="0" cy="0"/>
+          <a:chOff x="0" y="0"/>
+          <a:chExt cx="0" cy="0"/>
+        </a:xfrm>
+      </p:grpSpPr>
+      <p:sp>
+        <p:nvSpPr>
+          <p:cNvPr id="186" name="Shape 186"/>
+          <p:cNvSpPr>
+            <a:spLocks noGrp="1" noRot="1" noChangeAspect="1"/>
+          </p:cNvSpPr>
+          <p:nvPr>
+            <p:ph type="sldImg" idx="2"/>
+          </p:nvPr>
+        </p:nvSpPr>
+        <p:spPr>
+          <a:xfrm>
+            <a:off x="381000" y="685800"/>
+            <a:ext cx="6096000" cy="3429000"/>
+          </a:xfrm>
+          <a:custGeom>
+            <a:avLst/>
+            <a:gdLst/>
+            <a:ahLst/>
+            <a:cxnLst/>
+            <a:rect l="0" t="0" r="0" b="0"/>
+            <a:pathLst>
+              <a:path w="120000" h="120000" extrusionOk="0">
+                <a:moveTo>
+                  <a:pt x="0" y="0"/>
+                </a:moveTo>
+                <a:lnTo>
+                  <a:pt x="120000" y="0"/>
+                </a:lnTo>
+                <a:lnTo>
+                  <a:pt x="120000" y="120000"/>
+                </a:lnTo>
+                <a:lnTo>
+                  <a:pt x="0" y="120000"/>
+                </a:lnTo>
+                <a:close/>
+              </a:path>
+            </a:pathLst>
+          </a:custGeom>
+        </p:spPr>
+      </p:sp>
+      <p:sp>
+        <p:nvSpPr>
+          <p:cNvPr id="187" name="Shape 187"/>
+          <p:cNvSpPr txBox="1">
+            <a:spLocks noGrp="1"/>
+          </p:cNvSpPr>
+          <p:nvPr>
+            <p:ph type="body" idx="1"/>
+          </p:nvPr>
+        </p:nvSpPr>
+        <p:spPr>
+          <a:xfrm>
+            <a:off x="685800" y="4343400"/>
+            <a:ext cx="5486400" cy="4114800"/>
+          </a:xfrm>
+          <a:prstGeom prst="rect">
+            <a:avLst/>
+          </a:prstGeom>
+        </p:spPr>
+        <p:txBody>
+          <a:bodyPr spcFirstLastPara="1" wrap="square" lIns="91425" tIns="91425" rIns="91425" bIns="91425" anchor="t" anchorCtr="0">
+            <a:noAutofit/>
+          </a:bodyPr>
+          <a:lstStyle/>
+          <a:p>
+            <a:pPr marL="0" lvl="0" indent="0">
+              <a:spcBef>
+                <a:spcPts val="0"/>
+              </a:spcBef>
+              <a:spcAft>
+                <a:spcPts val="0"/>
+              </a:spcAft>
+              <a:buNone/>
+            </a:pPr>
+            <a:endParaRPr/>
+          </a:p>
+        </p:txBody>
+      </p:sp>
+    </p:spTree>
+    <p:extLst>
+      <p:ext uri="{BB962C8B-B14F-4D97-AF65-F5344CB8AC3E}">
+        <p14:creationId xmlns:p14="http://schemas.microsoft.com/office/powerpoint/2010/main" val="2441273782"/>
+      </p:ext>
+    </p:extLst>
+  </p:cSld>
+  <p:clrMapOvr>
+    <a:masterClrMapping/>
+  </p:clrMapOvr>
+</p:notes>
+</file>
+
+<file path=ppt/notesSlides/notesSlide7.xml><?xml version="1.0" encoding="utf-8"?>
 <p:notes xmlns:a="http://schemas.openxmlformats.org/drawingml/2006/main" xmlns:r="http://schemas.openxmlformats.org/officeDocument/2006/relationships" xmlns:p="http://schemas.openxmlformats.org/presentationml/2006/main" showMasterSp="0" showMasterPhAnim="0">
   <p:cSld>
     <p:spTree>
@@ -7025,6 +7387,626 @@
 </p:sld>
 </file>
 
+<file path=ppt/slides/slide10.xml><?xml version="1.0" encoding="utf-8"?>
+<p:sld xmlns:a="http://schemas.openxmlformats.org/drawingml/2006/main" xmlns:r="http://schemas.openxmlformats.org/officeDocument/2006/relationships" xmlns:p="http://schemas.openxmlformats.org/presentationml/2006/main" showMasterSp="0">
+  <p:cSld>
+    <p:spTree>
+      <p:nvGrpSpPr>
+        <p:cNvPr id="1" name=""/>
+        <p:cNvGrpSpPr/>
+        <p:nvPr/>
+      </p:nvGrpSpPr>
+      <p:grpSpPr>
+        <a:xfrm>
+          <a:off x="0" y="0"/>
+          <a:ext cx="0" cy="0"/>
+          <a:chOff x="0" y="0"/>
+          <a:chExt cx="0" cy="0"/>
+        </a:xfrm>
+      </p:grpSpPr>
+      <p:sp>
+        <p:nvSpPr>
+          <p:cNvPr id="2" name="Espaço Reservado para Número de Slide 1">
+            <a:extLst>
+              <a:ext uri="{FF2B5EF4-FFF2-40B4-BE49-F238E27FC236}">
+                <a16:creationId xmlns:a16="http://schemas.microsoft.com/office/drawing/2014/main" id="{1F7871D7-6C2C-46F9-813A-16DC10AEC7FB}"/>
+              </a:ext>
+            </a:extLst>
+          </p:cNvPr>
+          <p:cNvSpPr>
+            <a:spLocks noGrp="1"/>
+          </p:cNvSpPr>
+          <p:nvPr>
+            <p:ph type="sldNum" idx="12"/>
+          </p:nvPr>
+        </p:nvSpPr>
+        <p:spPr/>
+        <p:txBody>
+          <a:bodyPr/>
+          <a:lstStyle/>
+          <a:p>
+            <a:pPr marL="0" lvl="0" indent="0">
+              <a:spcBef>
+                <a:spcPts val="0"/>
+              </a:spcBef>
+              <a:spcAft>
+                <a:spcPts val="0"/>
+              </a:spcAft>
+              <a:buNone/>
+            </a:pPr>
+            <a:fld id="{00000000-1234-1234-1234-123412341234}" type="slidenum">
+              <a:rPr lang="pt-BR" smtClean="0"/>
+              <a:t>10</a:t>
+            </a:fld>
+            <a:endParaRPr lang="pt-BR"/>
+          </a:p>
+        </p:txBody>
+      </p:sp>
+      <p:sp>
+        <p:nvSpPr>
+          <p:cNvPr id="7" name="Shape 202">
+            <a:extLst>
+              <a:ext uri="{FF2B5EF4-FFF2-40B4-BE49-F238E27FC236}">
+                <a16:creationId xmlns:a16="http://schemas.microsoft.com/office/drawing/2014/main" id="{866828C0-FEB4-4AA2-AAC1-50E596FB9C01}"/>
+              </a:ext>
+            </a:extLst>
+          </p:cNvPr>
+          <p:cNvSpPr txBox="1">
+            <a:spLocks noGrp="1"/>
+          </p:cNvSpPr>
+          <p:nvPr>
+            <p:ph type="title"/>
+          </p:nvPr>
+        </p:nvSpPr>
+        <p:spPr>
+          <a:xfrm>
+            <a:off x="738243" y="53251"/>
+            <a:ext cx="5760300" cy="680700"/>
+          </a:xfrm>
+          <a:prstGeom prst="rect">
+            <a:avLst/>
+          </a:prstGeom>
+          <a:noFill/>
+          <a:ln>
+            <a:noFill/>
+          </a:ln>
+        </p:spPr>
+        <p:txBody>
+          <a:bodyPr spcFirstLastPara="1" wrap="square" lIns="91425" tIns="91425" rIns="91425" bIns="91425" anchor="t" anchorCtr="0">
+            <a:noAutofit/>
+          </a:bodyPr>
+          <a:lstStyle/>
+          <a:p>
+            <a:r>
+              <a:rPr lang="pt-BR" sz="4000" dirty="0">
+                <a:solidFill>
+                  <a:srgbClr val="FF9900"/>
+                </a:solidFill>
+                <a:sym typeface="Arial"/>
+              </a:rPr>
+              <a:t>Tweets Mencionando Lula</a:t>
+            </a:r>
+            <a:endParaRPr sz="4000" dirty="0">
+              <a:solidFill>
+                <a:srgbClr val="FF9900"/>
+              </a:solidFill>
+              <a:sym typeface="Arial"/>
+            </a:endParaRPr>
+          </a:p>
+        </p:txBody>
+      </p:sp>
+      <p:pic>
+        <p:nvPicPr>
+          <p:cNvPr id="6" name="Imagem 5">
+            <a:extLst>
+              <a:ext uri="{FF2B5EF4-FFF2-40B4-BE49-F238E27FC236}">
+                <a16:creationId xmlns:a16="http://schemas.microsoft.com/office/drawing/2014/main" id="{EB023D95-5CFA-420A-9A92-9282C4A15443}"/>
+              </a:ext>
+            </a:extLst>
+          </p:cNvPr>
+          <p:cNvPicPr>
+            <a:picLocks noChangeAspect="1"/>
+          </p:cNvPicPr>
+          <p:nvPr/>
+        </p:nvPicPr>
+        <p:blipFill>
+          <a:blip r:embed="rId2"/>
+          <a:stretch>
+            <a:fillRect/>
+          </a:stretch>
+        </p:blipFill>
+        <p:spPr>
+          <a:xfrm>
+            <a:off x="679764" y="773113"/>
+            <a:ext cx="7784472" cy="4370387"/>
+          </a:xfrm>
+          <a:prstGeom prst="rect">
+            <a:avLst/>
+          </a:prstGeom>
+        </p:spPr>
+      </p:pic>
+    </p:spTree>
+    <p:extLst>
+      <p:ext uri="{BB962C8B-B14F-4D97-AF65-F5344CB8AC3E}">
+        <p14:creationId xmlns:p14="http://schemas.microsoft.com/office/powerpoint/2010/main" val="1517064452"/>
+      </p:ext>
+    </p:extLst>
+  </p:cSld>
+  <p:clrMapOvr>
+    <a:masterClrMapping/>
+  </p:clrMapOvr>
+</p:sld>
+</file>
+
+<file path=ppt/slides/slide11.xml><?xml version="1.0" encoding="utf-8"?>
+<p:sld xmlns:a="http://schemas.openxmlformats.org/drawingml/2006/main" xmlns:r="http://schemas.openxmlformats.org/officeDocument/2006/relationships" xmlns:p="http://schemas.openxmlformats.org/presentationml/2006/main" showMasterSp="0">
+  <p:cSld>
+    <p:spTree>
+      <p:nvGrpSpPr>
+        <p:cNvPr id="1" name=""/>
+        <p:cNvGrpSpPr/>
+        <p:nvPr/>
+      </p:nvGrpSpPr>
+      <p:grpSpPr>
+        <a:xfrm>
+          <a:off x="0" y="0"/>
+          <a:ext cx="0" cy="0"/>
+          <a:chOff x="0" y="0"/>
+          <a:chExt cx="0" cy="0"/>
+        </a:xfrm>
+      </p:grpSpPr>
+      <p:sp>
+        <p:nvSpPr>
+          <p:cNvPr id="2" name="Espaço Reservado para Número de Slide 1">
+            <a:extLst>
+              <a:ext uri="{FF2B5EF4-FFF2-40B4-BE49-F238E27FC236}">
+                <a16:creationId xmlns:a16="http://schemas.microsoft.com/office/drawing/2014/main" id="{1F7871D7-6C2C-46F9-813A-16DC10AEC7FB}"/>
+              </a:ext>
+            </a:extLst>
+          </p:cNvPr>
+          <p:cNvSpPr>
+            <a:spLocks noGrp="1"/>
+          </p:cNvSpPr>
+          <p:nvPr>
+            <p:ph type="sldNum" idx="12"/>
+          </p:nvPr>
+        </p:nvSpPr>
+        <p:spPr/>
+        <p:txBody>
+          <a:bodyPr/>
+          <a:lstStyle/>
+          <a:p>
+            <a:pPr marL="0" lvl="0" indent="0">
+              <a:spcBef>
+                <a:spcPts val="0"/>
+              </a:spcBef>
+              <a:spcAft>
+                <a:spcPts val="0"/>
+              </a:spcAft>
+              <a:buNone/>
+            </a:pPr>
+            <a:fld id="{00000000-1234-1234-1234-123412341234}" type="slidenum">
+              <a:rPr lang="pt-BR" smtClean="0"/>
+              <a:t>11</a:t>
+            </a:fld>
+            <a:endParaRPr lang="pt-BR"/>
+          </a:p>
+        </p:txBody>
+      </p:sp>
+      <p:sp>
+        <p:nvSpPr>
+          <p:cNvPr id="7" name="Shape 202">
+            <a:extLst>
+              <a:ext uri="{FF2B5EF4-FFF2-40B4-BE49-F238E27FC236}">
+                <a16:creationId xmlns:a16="http://schemas.microsoft.com/office/drawing/2014/main" id="{866828C0-FEB4-4AA2-AAC1-50E596FB9C01}"/>
+              </a:ext>
+            </a:extLst>
+          </p:cNvPr>
+          <p:cNvSpPr txBox="1">
+            <a:spLocks noGrp="1"/>
+          </p:cNvSpPr>
+          <p:nvPr>
+            <p:ph type="title"/>
+          </p:nvPr>
+        </p:nvSpPr>
+        <p:spPr>
+          <a:xfrm>
+            <a:off x="738242" y="53251"/>
+            <a:ext cx="7547789" cy="680700"/>
+          </a:xfrm>
+          <a:prstGeom prst="rect">
+            <a:avLst/>
+          </a:prstGeom>
+          <a:noFill/>
+          <a:ln>
+            <a:noFill/>
+          </a:ln>
+        </p:spPr>
+        <p:txBody>
+          <a:bodyPr spcFirstLastPara="1" wrap="square" lIns="91425" tIns="91425" rIns="91425" bIns="91425" anchor="t" anchorCtr="0">
+            <a:noAutofit/>
+          </a:bodyPr>
+          <a:lstStyle/>
+          <a:p>
+            <a:r>
+              <a:rPr lang="pt-BR" sz="4000" dirty="0">
+                <a:solidFill>
+                  <a:srgbClr val="FF9900"/>
+                </a:solidFill>
+                <a:sym typeface="Arial"/>
+              </a:rPr>
+              <a:t>Tweets Mencionando Bolsonaro</a:t>
+            </a:r>
+            <a:endParaRPr sz="4000" dirty="0">
+              <a:solidFill>
+                <a:srgbClr val="FF9900"/>
+              </a:solidFill>
+              <a:sym typeface="Arial"/>
+            </a:endParaRPr>
+          </a:p>
+        </p:txBody>
+      </p:sp>
+      <p:pic>
+        <p:nvPicPr>
+          <p:cNvPr id="6" name="Imagem 5">
+            <a:extLst>
+              <a:ext uri="{FF2B5EF4-FFF2-40B4-BE49-F238E27FC236}">
+                <a16:creationId xmlns:a16="http://schemas.microsoft.com/office/drawing/2014/main" id="{3F7A1EF4-B176-461F-B927-2F55211047B5}"/>
+              </a:ext>
+            </a:extLst>
+          </p:cNvPr>
+          <p:cNvPicPr>
+            <a:picLocks noChangeAspect="1"/>
+          </p:cNvPicPr>
+          <p:nvPr/>
+        </p:nvPicPr>
+        <p:blipFill>
+          <a:blip r:embed="rId2"/>
+          <a:stretch>
+            <a:fillRect/>
+          </a:stretch>
+        </p:blipFill>
+        <p:spPr>
+          <a:xfrm>
+            <a:off x="692311" y="787202"/>
+            <a:ext cx="7759378" cy="4356298"/>
+          </a:xfrm>
+          <a:prstGeom prst="rect">
+            <a:avLst/>
+          </a:prstGeom>
+        </p:spPr>
+      </p:pic>
+    </p:spTree>
+    <p:extLst>
+      <p:ext uri="{BB962C8B-B14F-4D97-AF65-F5344CB8AC3E}">
+        <p14:creationId xmlns:p14="http://schemas.microsoft.com/office/powerpoint/2010/main" val="3125656313"/>
+      </p:ext>
+    </p:extLst>
+  </p:cSld>
+  <p:clrMapOvr>
+    <a:masterClrMapping/>
+  </p:clrMapOvr>
+</p:sld>
+</file>
+
+<file path=ppt/slides/slide12.xml><?xml version="1.0" encoding="utf-8"?>
+<p:sld xmlns:a="http://schemas.openxmlformats.org/drawingml/2006/main" xmlns:r="http://schemas.openxmlformats.org/officeDocument/2006/relationships" xmlns:p="http://schemas.openxmlformats.org/presentationml/2006/main" showMasterSp="0">
+  <p:cSld>
+    <p:spTree>
+      <p:nvGrpSpPr>
+        <p:cNvPr id="1" name=""/>
+        <p:cNvGrpSpPr/>
+        <p:nvPr/>
+      </p:nvGrpSpPr>
+      <p:grpSpPr>
+        <a:xfrm>
+          <a:off x="0" y="0"/>
+          <a:ext cx="0" cy="0"/>
+          <a:chOff x="0" y="0"/>
+          <a:chExt cx="0" cy="0"/>
+        </a:xfrm>
+      </p:grpSpPr>
+      <p:sp>
+        <p:nvSpPr>
+          <p:cNvPr id="2" name="Espaço Reservado para Número de Slide 1">
+            <a:extLst>
+              <a:ext uri="{FF2B5EF4-FFF2-40B4-BE49-F238E27FC236}">
+                <a16:creationId xmlns:a16="http://schemas.microsoft.com/office/drawing/2014/main" id="{1F7871D7-6C2C-46F9-813A-16DC10AEC7FB}"/>
+              </a:ext>
+            </a:extLst>
+          </p:cNvPr>
+          <p:cNvSpPr>
+            <a:spLocks noGrp="1"/>
+          </p:cNvSpPr>
+          <p:nvPr>
+            <p:ph type="sldNum" idx="12"/>
+          </p:nvPr>
+        </p:nvSpPr>
+        <p:spPr/>
+        <p:txBody>
+          <a:bodyPr/>
+          <a:lstStyle/>
+          <a:p>
+            <a:pPr marL="0" lvl="0" indent="0">
+              <a:spcBef>
+                <a:spcPts val="0"/>
+              </a:spcBef>
+              <a:spcAft>
+                <a:spcPts val="0"/>
+              </a:spcAft>
+              <a:buNone/>
+            </a:pPr>
+            <a:fld id="{00000000-1234-1234-1234-123412341234}" type="slidenum">
+              <a:rPr lang="pt-BR" smtClean="0"/>
+              <a:t>12</a:t>
+            </a:fld>
+            <a:endParaRPr lang="pt-BR"/>
+          </a:p>
+        </p:txBody>
+      </p:sp>
+      <p:sp>
+        <p:nvSpPr>
+          <p:cNvPr id="7" name="Shape 202">
+            <a:extLst>
+              <a:ext uri="{FF2B5EF4-FFF2-40B4-BE49-F238E27FC236}">
+                <a16:creationId xmlns:a16="http://schemas.microsoft.com/office/drawing/2014/main" id="{866828C0-FEB4-4AA2-AAC1-50E596FB9C01}"/>
+              </a:ext>
+            </a:extLst>
+          </p:cNvPr>
+          <p:cNvSpPr txBox="1">
+            <a:spLocks noGrp="1"/>
+          </p:cNvSpPr>
+          <p:nvPr>
+            <p:ph type="title"/>
+          </p:nvPr>
+        </p:nvSpPr>
+        <p:spPr>
+          <a:xfrm>
+            <a:off x="738242" y="53251"/>
+            <a:ext cx="7547789" cy="680700"/>
+          </a:xfrm>
+          <a:prstGeom prst="rect">
+            <a:avLst/>
+          </a:prstGeom>
+          <a:noFill/>
+          <a:ln>
+            <a:noFill/>
+          </a:ln>
+        </p:spPr>
+        <p:txBody>
+          <a:bodyPr spcFirstLastPara="1" wrap="square" lIns="91425" tIns="91425" rIns="91425" bIns="91425" anchor="t" anchorCtr="0">
+            <a:noAutofit/>
+          </a:bodyPr>
+          <a:lstStyle/>
+          <a:p>
+            <a:r>
+              <a:rPr lang="pt-BR" sz="4000" dirty="0">
+                <a:solidFill>
+                  <a:srgbClr val="FF9900"/>
+                </a:solidFill>
+                <a:sym typeface="Arial"/>
+              </a:rPr>
+              <a:t>Tweets Mencionando Marina</a:t>
+            </a:r>
+            <a:endParaRPr sz="4000" dirty="0">
+              <a:solidFill>
+                <a:srgbClr val="FF9900"/>
+              </a:solidFill>
+              <a:sym typeface="Arial"/>
+            </a:endParaRPr>
+          </a:p>
+        </p:txBody>
+      </p:sp>
+      <p:pic>
+        <p:nvPicPr>
+          <p:cNvPr id="3" name="Imagem 2">
+            <a:extLst>
+              <a:ext uri="{FF2B5EF4-FFF2-40B4-BE49-F238E27FC236}">
+                <a16:creationId xmlns:a16="http://schemas.microsoft.com/office/drawing/2014/main" id="{23BD86BD-7DD8-4D34-BF17-019B2C0F13D6}"/>
+              </a:ext>
+            </a:extLst>
+          </p:cNvPr>
+          <p:cNvPicPr>
+            <a:picLocks noChangeAspect="1"/>
+          </p:cNvPicPr>
+          <p:nvPr/>
+        </p:nvPicPr>
+        <p:blipFill>
+          <a:blip r:embed="rId2"/>
+          <a:stretch>
+            <a:fillRect/>
+          </a:stretch>
+        </p:blipFill>
+        <p:spPr>
+          <a:xfrm>
+            <a:off x="767716" y="871870"/>
+            <a:ext cx="7608568" cy="4271630"/>
+          </a:xfrm>
+          <a:prstGeom prst="rect">
+            <a:avLst/>
+          </a:prstGeom>
+        </p:spPr>
+      </p:pic>
+    </p:spTree>
+    <p:extLst>
+      <p:ext uri="{BB962C8B-B14F-4D97-AF65-F5344CB8AC3E}">
+        <p14:creationId xmlns:p14="http://schemas.microsoft.com/office/powerpoint/2010/main" val="2134050886"/>
+      </p:ext>
+    </p:extLst>
+  </p:cSld>
+  <p:clrMapOvr>
+    <a:masterClrMapping/>
+  </p:clrMapOvr>
+</p:sld>
+</file>
+
+<file path=ppt/slides/slide13.xml><?xml version="1.0" encoding="utf-8"?>
+<p:sld xmlns:a="http://schemas.openxmlformats.org/drawingml/2006/main" xmlns:r="http://schemas.openxmlformats.org/officeDocument/2006/relationships" xmlns:p="http://schemas.openxmlformats.org/presentationml/2006/main">
+  <p:cSld>
+    <p:spTree>
+      <p:nvGrpSpPr>
+        <p:cNvPr id="1" name="Shape 367"/>
+        <p:cNvGrpSpPr/>
+        <p:nvPr/>
+      </p:nvGrpSpPr>
+      <p:grpSpPr>
+        <a:xfrm>
+          <a:off x="0" y="0"/>
+          <a:ext cx="0" cy="0"/>
+          <a:chOff x="0" y="0"/>
+          <a:chExt cx="0" cy="0"/>
+        </a:xfrm>
+      </p:grpSpPr>
+      <p:sp>
+        <p:nvSpPr>
+          <p:cNvPr id="368" name="Shape 368"/>
+          <p:cNvSpPr txBox="1">
+            <a:spLocks noGrp="1"/>
+          </p:cNvSpPr>
+          <p:nvPr>
+            <p:ph type="ctrTitle" idx="4294967295"/>
+          </p:nvPr>
+        </p:nvSpPr>
+        <p:spPr>
+          <a:xfrm>
+            <a:off x="685800" y="1711842"/>
+            <a:ext cx="4924200" cy="1100808"/>
+          </a:xfrm>
+          <a:prstGeom prst="rect">
+            <a:avLst/>
+          </a:prstGeom>
+        </p:spPr>
+        <p:txBody>
+          <a:bodyPr spcFirstLastPara="1" wrap="square" lIns="91425" tIns="91425" rIns="91425" bIns="91425" anchor="b" anchorCtr="0">
+            <a:noAutofit/>
+          </a:bodyPr>
+          <a:lstStyle/>
+          <a:p>
+            <a:pPr marL="0" lvl="0" indent="0" rtl="0">
+              <a:spcBef>
+                <a:spcPts val="0"/>
+              </a:spcBef>
+              <a:spcAft>
+                <a:spcPts val="0"/>
+              </a:spcAft>
+              <a:buNone/>
+            </a:pPr>
+            <a:r>
+              <a:rPr lang="pt-BR" sz="6000" dirty="0">
+                <a:solidFill>
+                  <a:srgbClr val="FF9900"/>
+                </a:solidFill>
+              </a:rPr>
+              <a:t>Obrigado!</a:t>
+            </a:r>
+            <a:endParaRPr sz="6000" dirty="0">
+              <a:solidFill>
+                <a:srgbClr val="FF9900"/>
+              </a:solidFill>
+            </a:endParaRPr>
+          </a:p>
+        </p:txBody>
+      </p:sp>
+      <p:sp>
+        <p:nvSpPr>
+          <p:cNvPr id="369" name="Shape 369"/>
+          <p:cNvSpPr txBox="1">
+            <a:spLocks noGrp="1"/>
+          </p:cNvSpPr>
+          <p:nvPr>
+            <p:ph type="subTitle" idx="4294967295"/>
+          </p:nvPr>
+        </p:nvSpPr>
+        <p:spPr>
+          <a:xfrm>
+            <a:off x="685800" y="2608685"/>
+            <a:ext cx="4924200" cy="1953300"/>
+          </a:xfrm>
+          <a:prstGeom prst="rect">
+            <a:avLst/>
+          </a:prstGeom>
+        </p:spPr>
+        <p:txBody>
+          <a:bodyPr spcFirstLastPara="1" wrap="square" lIns="91425" tIns="91425" rIns="91425" bIns="91425" anchor="t" anchorCtr="0">
+            <a:noAutofit/>
+          </a:bodyPr>
+          <a:lstStyle/>
+          <a:p>
+            <a:pPr marL="0" lvl="0" indent="0" rtl="0">
+              <a:spcBef>
+                <a:spcPts val="600"/>
+              </a:spcBef>
+              <a:spcAft>
+                <a:spcPts val="0"/>
+              </a:spcAft>
+              <a:buNone/>
+            </a:pPr>
+            <a:r>
+              <a:rPr lang="pt-BR" sz="3600" b="1" dirty="0">
+                <a:solidFill>
+                  <a:srgbClr val="3796BF"/>
+                </a:solidFill>
+              </a:rPr>
+              <a:t>Duvidas?</a:t>
+            </a:r>
+            <a:endParaRPr sz="3600" b="1" dirty="0">
+              <a:solidFill>
+                <a:srgbClr val="3796BF"/>
+              </a:solidFill>
+            </a:endParaRPr>
+          </a:p>
+        </p:txBody>
+      </p:sp>
+      <p:sp>
+        <p:nvSpPr>
+          <p:cNvPr id="370" name="Shape 370"/>
+          <p:cNvSpPr txBox="1">
+            <a:spLocks noGrp="1"/>
+          </p:cNvSpPr>
+          <p:nvPr>
+            <p:ph type="sldNum" idx="12"/>
+          </p:nvPr>
+        </p:nvSpPr>
+        <p:spPr>
+          <a:xfrm>
+            <a:off x="8556784" y="1"/>
+            <a:ext cx="548700" cy="393600"/>
+          </a:xfrm>
+          <a:prstGeom prst="rect">
+            <a:avLst/>
+          </a:prstGeom>
+        </p:spPr>
+        <p:txBody>
+          <a:bodyPr spcFirstLastPara="1" wrap="square" lIns="91425" tIns="91425" rIns="91425" bIns="91425" anchor="t" anchorCtr="0">
+            <a:noAutofit/>
+          </a:bodyPr>
+          <a:lstStyle/>
+          <a:p>
+            <a:pPr marL="0" lvl="0" indent="0">
+              <a:spcBef>
+                <a:spcPts val="0"/>
+              </a:spcBef>
+              <a:spcAft>
+                <a:spcPts val="0"/>
+              </a:spcAft>
+              <a:buNone/>
+            </a:pPr>
+            <a:fld id="{00000000-1234-1234-1234-123412341234}" type="slidenum">
+              <a:rPr lang="en"/>
+              <a:t>13</a:t>
+            </a:fld>
+            <a:endParaRPr/>
+          </a:p>
+        </p:txBody>
+      </p:sp>
+    </p:spTree>
+  </p:cSld>
+  <p:clrMapOvr>
+    <a:masterClrMapping/>
+  </p:clrMapOvr>
+</p:sld>
+</file>
+
 <file path=ppt/slides/slide2.xml><?xml version="1.0" encoding="utf-8"?>
 <p:sld xmlns:a="http://schemas.openxmlformats.org/drawingml/2006/main" xmlns:r="http://schemas.openxmlformats.org/officeDocument/2006/relationships" xmlns:p="http://schemas.openxmlformats.org/presentationml/2006/main">
   <p:cSld>
@@ -8209,7 +9191,7 @@
   <p:cSld>
     <p:spTree>
       <p:nvGrpSpPr>
-        <p:cNvPr id="1" name="Shape 367"/>
+        <p:cNvPr id="1" name="Shape 188"/>
         <p:cNvGrpSpPr/>
         <p:nvPr/>
       </p:nvGrpSpPr>
@@ -8223,7 +9205,45 @@
       </p:grpSpPr>
       <p:sp>
         <p:nvSpPr>
-          <p:cNvPr id="368" name="Shape 368"/>
+          <p:cNvPr id="191" name="Shape 191"/>
+          <p:cNvSpPr txBox="1">
+            <a:spLocks noGrp="1"/>
+          </p:cNvSpPr>
+          <p:nvPr>
+            <p:ph type="sldNum" idx="12"/>
+          </p:nvPr>
+        </p:nvSpPr>
+        <p:spPr>
+          <a:prstGeom prst="rect">
+            <a:avLst/>
+          </a:prstGeom>
+        </p:spPr>
+        <p:txBody>
+          <a:bodyPr spcFirstLastPara="1" wrap="square" lIns="91425" tIns="91425" rIns="91425" bIns="91425" anchor="t" anchorCtr="0">
+            <a:noAutofit/>
+          </a:bodyPr>
+          <a:lstStyle/>
+          <a:p>
+            <a:pPr marL="0" lvl="0" indent="0">
+              <a:spcBef>
+                <a:spcPts val="0"/>
+              </a:spcBef>
+              <a:spcAft>
+                <a:spcPts val="0"/>
+              </a:spcAft>
+              <a:buNone/>
+            </a:pPr>
+            <a:fld id="{00000000-1234-1234-1234-123412341234}" type="slidenum">
+              <a:rPr lang="en"/>
+              <a:t>8</a:t>
+            </a:fld>
+            <a:endParaRPr/>
+          </a:p>
+        </p:txBody>
+      </p:sp>
+      <p:sp>
+        <p:nvSpPr>
+          <p:cNvPr id="189" name="Shape 189"/>
           <p:cNvSpPr txBox="1">
             <a:spLocks noGrp="1"/>
           </p:cNvSpPr>
@@ -8233,58 +9253,8 @@
         </p:nvSpPr>
         <p:spPr>
           <a:xfrm>
-            <a:off x="685800" y="1711842"/>
-            <a:ext cx="4924200" cy="1100808"/>
-          </a:xfrm>
-          <a:prstGeom prst="rect">
-            <a:avLst/>
-          </a:prstGeom>
-        </p:spPr>
-        <p:txBody>
-          <a:bodyPr spcFirstLastPara="1" wrap="square" lIns="91425" tIns="91425" rIns="91425" bIns="91425" anchor="b" anchorCtr="0">
-            <a:noAutofit/>
-          </a:bodyPr>
-          <a:lstStyle/>
-          <a:p>
-            <a:pPr marL="0" lvl="0" indent="0" rtl="0">
-              <a:spcBef>
-                <a:spcPts val="0"/>
-              </a:spcBef>
-              <a:spcAft>
-                <a:spcPts val="0"/>
-              </a:spcAft>
-              <a:buNone/>
-            </a:pPr>
-            <a:r>
-              <a:rPr lang="pt-BR" sz="6000" dirty="0">
-                <a:solidFill>
-                  <a:srgbClr val="FF9900"/>
-                </a:solidFill>
-              </a:rPr>
-              <a:t>Obrigado!</a:t>
-            </a:r>
-            <a:endParaRPr sz="6000" dirty="0">
-              <a:solidFill>
-                <a:srgbClr val="FF9900"/>
-              </a:solidFill>
-            </a:endParaRPr>
-          </a:p>
-        </p:txBody>
-      </p:sp>
-      <p:sp>
-        <p:nvSpPr>
-          <p:cNvPr id="369" name="Shape 369"/>
-          <p:cNvSpPr txBox="1">
-            <a:spLocks noGrp="1"/>
-          </p:cNvSpPr>
-          <p:nvPr>
-            <p:ph type="subTitle" idx="4294967295"/>
-          </p:nvPr>
-        </p:nvSpPr>
-        <p:spPr>
-          <a:xfrm>
-            <a:off x="685800" y="2608685"/>
-            <a:ext cx="4924200" cy="1953300"/>
+            <a:off x="308472" y="1837044"/>
+            <a:ext cx="5075238" cy="1721404"/>
           </a:xfrm>
           <a:prstGeom prst="rect">
             <a:avLst/>
@@ -8298,7 +9268,7 @@
           <a:p>
             <a:pPr marL="0" lvl="0" indent="0" rtl="0">
               <a:spcBef>
-                <a:spcPts val="600"/>
+                <a:spcPts val="0"/>
               </a:spcBef>
               <a:spcAft>
                 <a:spcPts val="0"/>
@@ -8306,39 +9276,136 @@
               <a:buNone/>
             </a:pPr>
             <a:r>
-              <a:rPr lang="pt-BR" sz="3600" b="1" dirty="0">
-                <a:solidFill>
-                  <a:srgbClr val="3796BF"/>
+              <a:rPr lang="en" sz="7200" b="0" dirty="0">
+                <a:solidFill>
+                  <a:schemeClr val="bg1"/>
                 </a:solidFill>
               </a:rPr>
-              <a:t>Duvidas?</a:t>
+              <a:t>3.</a:t>
             </a:r>
-            <a:endParaRPr sz="3600" b="1" dirty="0">
+          </a:p>
+          <a:p>
+            <a:pPr marL="0" lvl="0" indent="0" rtl="0">
+              <a:spcBef>
+                <a:spcPts val="0"/>
+              </a:spcBef>
+              <a:spcAft>
+                <a:spcPts val="0"/>
+              </a:spcAft>
+              <a:buNone/>
+            </a:pPr>
+            <a:r>
+              <a:rPr lang="pt-BR" dirty="0" err="1">
+                <a:solidFill>
+                  <a:schemeClr val="bg1"/>
+                </a:solidFill>
+              </a:rPr>
+              <a:t>WordCloud</a:t>
+            </a:r>
+            <a:endParaRPr lang="pt-BR" dirty="0">
               <a:solidFill>
-                <a:srgbClr val="3796BF"/>
+                <a:schemeClr val="bg1"/>
               </a:solidFill>
             </a:endParaRPr>
           </a:p>
         </p:txBody>
       </p:sp>
+    </p:spTree>
+    <p:extLst>
+      <p:ext uri="{BB962C8B-B14F-4D97-AF65-F5344CB8AC3E}">
+        <p14:creationId xmlns:p14="http://schemas.microsoft.com/office/powerpoint/2010/main" val="3304298848"/>
+      </p:ext>
+    </p:extLst>
+  </p:cSld>
+  <p:clrMapOvr>
+    <a:masterClrMapping/>
+  </p:clrMapOvr>
+</p:sld>
+</file>
+
+<file path=ppt/slides/slide9.xml><?xml version="1.0" encoding="utf-8"?>
+<p:sld xmlns:a="http://schemas.openxmlformats.org/drawingml/2006/main" xmlns:r="http://schemas.openxmlformats.org/officeDocument/2006/relationships" xmlns:p="http://schemas.openxmlformats.org/presentationml/2006/main" showMasterSp="0">
+  <p:cSld>
+    <p:spTree>
+      <p:nvGrpSpPr>
+        <p:cNvPr id="1" name=""/>
+        <p:cNvGrpSpPr/>
+        <p:nvPr/>
+      </p:nvGrpSpPr>
+      <p:grpSpPr>
+        <a:xfrm>
+          <a:off x="0" y="0"/>
+          <a:ext cx="0" cy="0"/>
+          <a:chOff x="0" y="0"/>
+          <a:chExt cx="0" cy="0"/>
+        </a:xfrm>
+      </p:grpSpPr>
       <p:sp>
         <p:nvSpPr>
-          <p:cNvPr id="370" name="Shape 370"/>
-          <p:cNvSpPr txBox="1">
+          <p:cNvPr id="2" name="Espaço Reservado para Número de Slide 1">
+            <a:extLst>
+              <a:ext uri="{FF2B5EF4-FFF2-40B4-BE49-F238E27FC236}">
+                <a16:creationId xmlns:a16="http://schemas.microsoft.com/office/drawing/2014/main" id="{1F7871D7-6C2C-46F9-813A-16DC10AEC7FB}"/>
+              </a:ext>
+            </a:extLst>
+          </p:cNvPr>
+          <p:cNvSpPr>
             <a:spLocks noGrp="1"/>
           </p:cNvSpPr>
           <p:nvPr>
             <p:ph type="sldNum" idx="12"/>
           </p:nvPr>
         </p:nvSpPr>
+        <p:spPr/>
+        <p:txBody>
+          <a:bodyPr/>
+          <a:lstStyle/>
+          <a:p>
+            <a:pPr marL="0" lvl="0" indent="0">
+              <a:spcBef>
+                <a:spcPts val="0"/>
+              </a:spcBef>
+              <a:spcAft>
+                <a:spcPts val="0"/>
+              </a:spcAft>
+              <a:buNone/>
+            </a:pPr>
+            <a:fld id="{00000000-1234-1234-1234-123412341234}" type="slidenum">
+              <a:rPr lang="pt-BR" smtClean="0"/>
+              <a:t>9</a:t>
+            </a:fld>
+            <a:endParaRPr lang="pt-BR"/>
+          </a:p>
+        </p:txBody>
+      </p:sp>
+      <p:sp>
+        <p:nvSpPr>
+          <p:cNvPr id="7" name="Shape 202">
+            <a:extLst>
+              <a:ext uri="{FF2B5EF4-FFF2-40B4-BE49-F238E27FC236}">
+                <a16:creationId xmlns:a16="http://schemas.microsoft.com/office/drawing/2014/main" id="{866828C0-FEB4-4AA2-AAC1-50E596FB9C01}"/>
+              </a:ext>
+            </a:extLst>
+          </p:cNvPr>
+          <p:cNvSpPr txBox="1">
+            <a:spLocks noGrp="1"/>
+          </p:cNvSpPr>
+          <p:nvPr>
+            <p:ph type="title"/>
+          </p:nvPr>
+        </p:nvSpPr>
         <p:spPr>
           <a:xfrm>
-            <a:off x="8556784" y="1"/>
-            <a:ext cx="548700" cy="393600"/>
+            <a:off x="738243" y="53251"/>
+            <a:ext cx="5760300" cy="680700"/>
           </a:xfrm>
           <a:prstGeom prst="rect">
             <a:avLst/>
           </a:prstGeom>
+          <a:noFill/>
+          <a:ln>
+            <a:noFill/>
+          </a:ln>
         </p:spPr>
         <p:txBody>
           <a:bodyPr spcFirstLastPara="1" wrap="square" lIns="91425" tIns="91425" rIns="91425" bIns="91425" anchor="t" anchorCtr="0">
@@ -8346,24 +9413,60 @@
           </a:bodyPr>
           <a:lstStyle/>
           <a:p>
-            <a:pPr marL="0" lvl="0" indent="0">
-              <a:spcBef>
-                <a:spcPts val="0"/>
-              </a:spcBef>
-              <a:spcAft>
-                <a:spcPts val="0"/>
-              </a:spcAft>
-              <a:buNone/>
-            </a:pPr>
-            <a:fld id="{00000000-1234-1234-1234-123412341234}" type="slidenum">
-              <a:rPr lang="en"/>
-              <a:t>8</a:t>
-            </a:fld>
-            <a:endParaRPr/>
+            <a:r>
+              <a:rPr lang="pt-BR" sz="4000" dirty="0">
+                <a:solidFill>
+                  <a:srgbClr val="FF9900"/>
+                </a:solidFill>
+                <a:sym typeface="Arial"/>
+              </a:rPr>
+              <a:t>Todos os Tweets</a:t>
+            </a:r>
+            <a:endParaRPr sz="4000" dirty="0">
+              <a:solidFill>
+                <a:srgbClr val="FF9900"/>
+              </a:solidFill>
+              <a:sym typeface="Arial"/>
+            </a:endParaRPr>
           </a:p>
         </p:txBody>
       </p:sp>
+      <p:pic>
+        <p:nvPicPr>
+          <p:cNvPr id="5" name="Imagem 4">
+            <a:extLst>
+              <a:ext uri="{FF2B5EF4-FFF2-40B4-BE49-F238E27FC236}">
+                <a16:creationId xmlns:a16="http://schemas.microsoft.com/office/drawing/2014/main" id="{0B0C273E-CFD0-4A1B-A22C-C453443142C7}"/>
+              </a:ext>
+            </a:extLst>
+          </p:cNvPr>
+          <p:cNvPicPr>
+            <a:picLocks noChangeAspect="1"/>
+          </p:cNvPicPr>
+          <p:nvPr/>
+        </p:nvPicPr>
+        <p:blipFill>
+          <a:blip r:embed="rId2"/>
+          <a:stretch>
+            <a:fillRect/>
+          </a:stretch>
+        </p:blipFill>
+        <p:spPr>
+          <a:xfrm>
+            <a:off x="674448" y="776094"/>
+            <a:ext cx="7795104" cy="4367406"/>
+          </a:xfrm>
+          <a:prstGeom prst="rect">
+            <a:avLst/>
+          </a:prstGeom>
+        </p:spPr>
+      </p:pic>
     </p:spTree>
+    <p:extLst>
+      <p:ext uri="{BB962C8B-B14F-4D97-AF65-F5344CB8AC3E}">
+        <p14:creationId xmlns:p14="http://schemas.microsoft.com/office/powerpoint/2010/main" val="1717056396"/>
+      </p:ext>
+    </p:extLst>
   </p:cSld>
   <p:clrMapOvr>
     <a:masterClrMapping/>
